--- a/นิเทศก์/Map_Chumphon_Amphur.pptx
+++ b/นิเทศก์/Map_Chumphon_Amphur.pptx
@@ -104,6 +104,11 @@
       </a:defRPr>
     </a:lvl9pPr>
   </p:defaultTextStyle>
+  <p:extLst>
+    <p:ext uri="{EFAFB233-063F-42B5-8137-9DF3F51BA10A}">
+      <p15:sldGuideLst xmlns:p15="http://schemas.microsoft.com/office/powerpoint/2012/main"/>
+    </p:ext>
+  </p:extLst>
 </p:presentation>
 </file>
 
@@ -3621,10 +3626,10 @@
           </a:prstGeom>
           <a:effectLst>
             <a:glow rad="38100">
-              <a:srgbClr val="002060"/>
+              <a:srgbClr val="0070C0"/>
             </a:glow>
             <a:innerShdw blurRad="12700" dist="1155700">
-              <a:srgbClr val="002060"/>
+              <a:srgbClr val="0070C0"/>
             </a:innerShdw>
           </a:effectLst>
         </p:spPr>
